--- a/pres/sim_system.pptx
+++ b/pres/sim_system.pptx
@@ -22,6 +22,7 @@
     <p:sldId id="278" r:id="rId16"/>
     <p:sldId id="279" r:id="rId17"/>
     <p:sldId id="280" r:id="rId18"/>
+    <p:sldId id="281" r:id="rId19"/>
   </p:sldIdLst>
   <p:sldSz cx="12192000" cy="6858000"/>
   <p:notesSz cx="6858000" cy="9144000"/>
@@ -133,6 +134,14 @@
   <p:cmAuthor id="1" name="Unknown User" initials="" lastIdx="0" clrIdx="0"/>
   <p:cmAuthor id="2" name="loqman samani" initials="" lastIdx="0" clrIdx="1"/>
 </p:cmAuthorLst>
+</file>
+
+<file path=ppt/revisionInfo.xml><?xml version="1.0" encoding="utf-8"?>
+<p1510:revInfo xmlns:a="http://schemas.openxmlformats.org/drawingml/2006/main" xmlns:r="http://schemas.openxmlformats.org/officeDocument/2006/relationships" xmlns:p1510="http://schemas.microsoft.com/office/powerpoint/2015/10/main">
+  <p1510:revLst>
+    <p1510:client id="{3A5FE94B-B6A8-A718-C707-F0494B6789EB}" v="523" dt="2024-08-03T20:34:38.529"/>
+  </p1510:revLst>
+</p1510:revInfo>
 </file>
 
 <file path=ppt/ink/ink1.xml><?xml version="1.0" encoding="utf-8"?>
@@ -978,7 +987,7 @@
           <a:p>
             <a:fld id="{9CF77F1B-567A-495B-BCED-32BA57B01AB8}" type="datetimeFigureOut">
               <a:rPr lang="en-US" smtClean="0"/>
-              <a:t>7/3/2024</a:t>
+              <a:t>8/3/2024</a:t>
             </a:fld>
             <a:endParaRPr lang="en-US"/>
           </a:p>
@@ -1176,7 +1185,7 @@
           <a:p>
             <a:fld id="{9CF77F1B-567A-495B-BCED-32BA57B01AB8}" type="datetimeFigureOut">
               <a:rPr lang="en-US" smtClean="0"/>
-              <a:t>7/3/2024</a:t>
+              <a:t>8/3/2024</a:t>
             </a:fld>
             <a:endParaRPr lang="en-US"/>
           </a:p>
@@ -1384,7 +1393,7 @@
           <a:p>
             <a:fld id="{9CF77F1B-567A-495B-BCED-32BA57B01AB8}" type="datetimeFigureOut">
               <a:rPr lang="en-US" smtClean="0"/>
-              <a:t>7/3/2024</a:t>
+              <a:t>8/3/2024</a:t>
             </a:fld>
             <a:endParaRPr lang="en-US"/>
           </a:p>
@@ -1588,7 +1597,7 @@
           <a:p>
             <a:fld id="{846CE7D5-CF57-46EF-B807-FDD0502418D4}" type="datetimeFigureOut">
               <a:rPr lang="en-US" smtClean="0"/>
-              <a:t>7/3/2024</a:t>
+              <a:t>8/3/2024</a:t>
             </a:fld>
             <a:endParaRPr lang="en-US"/>
           </a:p>
@@ -1758,7 +1767,7 @@
           <a:p>
             <a:fld id="{846CE7D5-CF57-46EF-B807-FDD0502418D4}" type="datetimeFigureOut">
               <a:rPr lang="en-US" smtClean="0"/>
-              <a:t>7/3/2024</a:t>
+              <a:t>8/3/2024</a:t>
             </a:fld>
             <a:endParaRPr lang="en-US"/>
           </a:p>
@@ -2004,7 +2013,7 @@
           <a:p>
             <a:fld id="{846CE7D5-CF57-46EF-B807-FDD0502418D4}" type="datetimeFigureOut">
               <a:rPr lang="en-US" smtClean="0"/>
-              <a:t>7/3/2024</a:t>
+              <a:t>8/3/2024</a:t>
             </a:fld>
             <a:endParaRPr lang="en-US"/>
           </a:p>
@@ -2236,7 +2245,7 @@
           <a:p>
             <a:fld id="{846CE7D5-CF57-46EF-B807-FDD0502418D4}" type="datetimeFigureOut">
               <a:rPr lang="en-US" smtClean="0"/>
-              <a:t>7/3/2024</a:t>
+              <a:t>8/3/2024</a:t>
             </a:fld>
             <a:endParaRPr lang="en-US"/>
           </a:p>
@@ -2603,7 +2612,7 @@
           <a:p>
             <a:fld id="{846CE7D5-CF57-46EF-B807-FDD0502418D4}" type="datetimeFigureOut">
               <a:rPr lang="en-US" smtClean="0"/>
-              <a:t>7/3/2024</a:t>
+              <a:t>8/3/2024</a:t>
             </a:fld>
             <a:endParaRPr lang="en-US"/>
           </a:p>
@@ -2721,7 +2730,7 @@
           <a:p>
             <a:fld id="{846CE7D5-CF57-46EF-B807-FDD0502418D4}" type="datetimeFigureOut">
               <a:rPr lang="en-US" smtClean="0"/>
-              <a:t>7/3/2024</a:t>
+              <a:t>8/3/2024</a:t>
             </a:fld>
             <a:endParaRPr lang="en-US"/>
           </a:p>
@@ -2816,7 +2825,7 @@
           <a:p>
             <a:fld id="{846CE7D5-CF57-46EF-B807-FDD0502418D4}" type="datetimeFigureOut">
               <a:rPr lang="en-US" smtClean="0"/>
-              <a:t>7/3/2024</a:t>
+              <a:t>8/3/2024</a:t>
             </a:fld>
             <a:endParaRPr lang="en-US"/>
           </a:p>
@@ -3093,7 +3102,7 @@
           <a:p>
             <a:fld id="{846CE7D5-CF57-46EF-B807-FDD0502418D4}" type="datetimeFigureOut">
               <a:rPr lang="en-US" smtClean="0"/>
-              <a:t>7/3/2024</a:t>
+              <a:t>8/3/2024</a:t>
             </a:fld>
             <a:endParaRPr lang="en-US"/>
           </a:p>
@@ -3279,7 +3288,7 @@
           <a:p>
             <a:fld id="{9CF77F1B-567A-495B-BCED-32BA57B01AB8}" type="datetimeFigureOut">
               <a:rPr lang="en-US" smtClean="0"/>
-              <a:t>7/3/2024</a:t>
+              <a:t>8/3/2024</a:t>
             </a:fld>
             <a:endParaRPr lang="en-US"/>
           </a:p>
@@ -3548,7 +3557,7 @@
           <a:p>
             <a:fld id="{846CE7D5-CF57-46EF-B807-FDD0502418D4}" type="datetimeFigureOut">
               <a:rPr lang="en-US" smtClean="0"/>
-              <a:t>7/3/2024</a:t>
+              <a:t>8/3/2024</a:t>
             </a:fld>
             <a:endParaRPr lang="en-US"/>
           </a:p>
@@ -3718,7 +3727,7 @@
           <a:p>
             <a:fld id="{846CE7D5-CF57-46EF-B807-FDD0502418D4}" type="datetimeFigureOut">
               <a:rPr lang="en-US" smtClean="0"/>
-              <a:t>7/3/2024</a:t>
+              <a:t>8/3/2024</a:t>
             </a:fld>
             <a:endParaRPr lang="en-US"/>
           </a:p>
@@ -3898,7 +3907,7 @@
           <a:p>
             <a:fld id="{846CE7D5-CF57-46EF-B807-FDD0502418D4}" type="datetimeFigureOut">
               <a:rPr lang="en-US" smtClean="0"/>
-              <a:t>7/3/2024</a:t>
+              <a:t>8/3/2024</a:t>
             </a:fld>
             <a:endParaRPr lang="en-US"/>
           </a:p>
@@ -4161,7 +4170,7 @@
           <a:p>
             <a:fld id="{9CF77F1B-567A-495B-BCED-32BA57B01AB8}" type="datetimeFigureOut">
               <a:rPr lang="en-US" smtClean="0"/>
-              <a:t>7/3/2024</a:t>
+              <a:t>8/3/2024</a:t>
             </a:fld>
             <a:endParaRPr lang="en-US"/>
           </a:p>
@@ -4426,7 +4435,7 @@
           <a:p>
             <a:fld id="{9CF77F1B-567A-495B-BCED-32BA57B01AB8}" type="datetimeFigureOut">
               <a:rPr lang="en-US" smtClean="0"/>
-              <a:t>7/3/2024</a:t>
+              <a:t>8/3/2024</a:t>
             </a:fld>
             <a:endParaRPr lang="en-US"/>
           </a:p>
@@ -4838,7 +4847,7 @@
           <a:p>
             <a:fld id="{9CF77F1B-567A-495B-BCED-32BA57B01AB8}" type="datetimeFigureOut">
               <a:rPr lang="en-US" smtClean="0"/>
-              <a:t>7/3/2024</a:t>
+              <a:t>8/3/2024</a:t>
             </a:fld>
             <a:endParaRPr lang="en-US"/>
           </a:p>
@@ -4979,7 +4988,7 @@
           <a:p>
             <a:fld id="{9CF77F1B-567A-495B-BCED-32BA57B01AB8}" type="datetimeFigureOut">
               <a:rPr lang="en-US" smtClean="0"/>
-              <a:t>7/3/2024</a:t>
+              <a:t>8/3/2024</a:t>
             </a:fld>
             <a:endParaRPr lang="en-US"/>
           </a:p>
@@ -5092,7 +5101,7 @@
           <a:p>
             <a:fld id="{9CF77F1B-567A-495B-BCED-32BA57B01AB8}" type="datetimeFigureOut">
               <a:rPr lang="en-US" smtClean="0"/>
-              <a:t>7/3/2024</a:t>
+              <a:t>8/3/2024</a:t>
             </a:fld>
             <a:endParaRPr lang="en-US"/>
           </a:p>
@@ -5403,7 +5412,7 @@
           <a:p>
             <a:fld id="{9CF77F1B-567A-495B-BCED-32BA57B01AB8}" type="datetimeFigureOut">
               <a:rPr lang="en-US" smtClean="0"/>
-              <a:t>7/3/2024</a:t>
+              <a:t>8/3/2024</a:t>
             </a:fld>
             <a:endParaRPr lang="en-US"/>
           </a:p>
@@ -5691,7 +5700,7 @@
           <a:p>
             <a:fld id="{9CF77F1B-567A-495B-BCED-32BA57B01AB8}" type="datetimeFigureOut">
               <a:rPr lang="en-US" smtClean="0"/>
-              <a:t>7/3/2024</a:t>
+              <a:t>8/3/2024</a:t>
             </a:fld>
             <a:endParaRPr lang="en-US"/>
           </a:p>
@@ -5932,7 +5941,7 @@
           <a:p>
             <a:fld id="{9CF77F1B-567A-495B-BCED-32BA57B01AB8}" type="datetimeFigureOut">
               <a:rPr lang="en-US" smtClean="0"/>
-              <a:t>7/3/2024</a:t>
+              <a:t>8/3/2024</a:t>
             </a:fld>
             <a:endParaRPr lang="en-US"/>
           </a:p>
@@ -6484,7 +6493,7 @@
           <a:p>
             <a:fld id="{846CE7D5-CF57-46EF-B807-FDD0502418D4}" type="datetimeFigureOut">
               <a:rPr lang="en-US" smtClean="0"/>
-              <a:t>7/3/2024</a:t>
+              <a:t>8/3/2024</a:t>
             </a:fld>
             <a:endParaRPr lang="en-US"/>
           </a:p>
@@ -23323,8 +23332,8 @@
           </a:fontRef>
         </p:style>
       </p:cxnSp>
-      <mc:AlternateContent xmlns:mc="http://schemas.openxmlformats.org/markup-compatibility/2006">
-        <mc:Choice xmlns:p14="http://schemas.microsoft.com/office/powerpoint/2010/main" Requires="p14">
+      <mc:AlternateContent xmlns:mc="http://schemas.openxmlformats.org/markup-compatibility/2006" xmlns:p14="http://schemas.microsoft.com/office/powerpoint/2010/main">
+        <mc:Choice Requires="p14">
           <p:contentPart p14:bwMode="auto" r:id="rId2">
             <p14:nvContentPartPr>
               <p14:cNvPr id="19" name="Ink 18">
@@ -23343,7 +23352,7 @@
             </p14:xfrm>
           </p:contentPart>
         </mc:Choice>
-        <mc:Fallback>
+        <mc:Fallback xmlns="">
           <p:pic>
             <p:nvPicPr>
               <p:cNvPr id="19" name="Ink 18">
@@ -23374,8 +23383,8 @@
           </p:pic>
         </mc:Fallback>
       </mc:AlternateContent>
-      <mc:AlternateContent xmlns:mc="http://schemas.openxmlformats.org/markup-compatibility/2006">
-        <mc:Choice xmlns:p14="http://schemas.microsoft.com/office/powerpoint/2010/main" Requires="p14">
+      <mc:AlternateContent xmlns:mc="http://schemas.openxmlformats.org/markup-compatibility/2006" xmlns:p14="http://schemas.microsoft.com/office/powerpoint/2010/main">
+        <mc:Choice Requires="p14">
           <p:contentPart p14:bwMode="auto" r:id="rId4">
             <p14:nvContentPartPr>
               <p14:cNvPr id="20" name="Ink 19">
@@ -23394,7 +23403,7 @@
             </p14:xfrm>
           </p:contentPart>
         </mc:Choice>
-        <mc:Fallback>
+        <mc:Fallback xmlns="">
           <p:pic>
             <p:nvPicPr>
               <p:cNvPr id="20" name="Ink 19">
@@ -23425,8 +23434,8 @@
           </p:pic>
         </mc:Fallback>
       </mc:AlternateContent>
-      <mc:AlternateContent xmlns:mc="http://schemas.openxmlformats.org/markup-compatibility/2006">
-        <mc:Choice xmlns:p14="http://schemas.microsoft.com/office/powerpoint/2010/main" Requires="p14">
+      <mc:AlternateContent xmlns:mc="http://schemas.openxmlformats.org/markup-compatibility/2006" xmlns:p14="http://schemas.microsoft.com/office/powerpoint/2010/main">
+        <mc:Choice Requires="p14">
           <p:contentPart p14:bwMode="auto" r:id="rId6">
             <p14:nvContentPartPr>
               <p14:cNvPr id="21" name="Ink 20">
@@ -23445,7 +23454,7 @@
             </p14:xfrm>
           </p:contentPart>
         </mc:Choice>
-        <mc:Fallback>
+        <mc:Fallback xmlns="">
           <p:pic>
             <p:nvPicPr>
               <p:cNvPr id="21" name="Ink 20">
@@ -23476,8 +23485,8 @@
           </p:pic>
         </mc:Fallback>
       </mc:AlternateContent>
-      <mc:AlternateContent xmlns:mc="http://schemas.openxmlformats.org/markup-compatibility/2006">
-        <mc:Choice xmlns:p14="http://schemas.microsoft.com/office/powerpoint/2010/main" Requires="p14">
+      <mc:AlternateContent xmlns:mc="http://schemas.openxmlformats.org/markup-compatibility/2006" xmlns:p14="http://schemas.microsoft.com/office/powerpoint/2010/main">
+        <mc:Choice Requires="p14">
           <p:contentPart p14:bwMode="auto" r:id="rId8">
             <p14:nvContentPartPr>
               <p14:cNvPr id="22" name="Ink 21">
@@ -23496,7 +23505,7 @@
             </p14:xfrm>
           </p:contentPart>
         </mc:Choice>
-        <mc:Fallback>
+        <mc:Fallback xmlns="">
           <p:pic>
             <p:nvPicPr>
               <p:cNvPr id="22" name="Ink 21">
@@ -23527,8 +23536,8 @@
           </p:pic>
         </mc:Fallback>
       </mc:AlternateContent>
-      <mc:AlternateContent xmlns:mc="http://schemas.openxmlformats.org/markup-compatibility/2006">
-        <mc:Choice xmlns:p14="http://schemas.microsoft.com/office/powerpoint/2010/main" Requires="p14">
+      <mc:AlternateContent xmlns:mc="http://schemas.openxmlformats.org/markup-compatibility/2006" xmlns:p14="http://schemas.microsoft.com/office/powerpoint/2010/main">
+        <mc:Choice Requires="p14">
           <p:contentPart p14:bwMode="auto" r:id="rId10">
             <p14:nvContentPartPr>
               <p14:cNvPr id="23" name="Ink 22">
@@ -23547,7 +23556,7 @@
             </p14:xfrm>
           </p:contentPart>
         </mc:Choice>
-        <mc:Fallback>
+        <mc:Fallback xmlns="">
           <p:pic>
             <p:nvPicPr>
               <p:cNvPr id="23" name="Ink 22">
@@ -23578,8 +23587,8 @@
           </p:pic>
         </mc:Fallback>
       </mc:AlternateContent>
-      <mc:AlternateContent xmlns:mc="http://schemas.openxmlformats.org/markup-compatibility/2006">
-        <mc:Choice xmlns:p14="http://schemas.microsoft.com/office/powerpoint/2010/main" Requires="p14">
+      <mc:AlternateContent xmlns:mc="http://schemas.openxmlformats.org/markup-compatibility/2006" xmlns:p14="http://schemas.microsoft.com/office/powerpoint/2010/main">
+        <mc:Choice Requires="p14">
           <p:contentPart p14:bwMode="auto" r:id="rId12">
             <p14:nvContentPartPr>
               <p14:cNvPr id="24" name="Ink 23">
@@ -23598,7 +23607,7 @@
             </p14:xfrm>
           </p:contentPart>
         </mc:Choice>
-        <mc:Fallback>
+        <mc:Fallback xmlns="">
           <p:pic>
             <p:nvPicPr>
               <p:cNvPr id="24" name="Ink 23">
@@ -23629,8 +23638,8 @@
           </p:pic>
         </mc:Fallback>
       </mc:AlternateContent>
-      <mc:AlternateContent xmlns:mc="http://schemas.openxmlformats.org/markup-compatibility/2006">
-        <mc:Choice xmlns:p14="http://schemas.microsoft.com/office/powerpoint/2010/main" Requires="p14">
+      <mc:AlternateContent xmlns:mc="http://schemas.openxmlformats.org/markup-compatibility/2006" xmlns:p14="http://schemas.microsoft.com/office/powerpoint/2010/main">
+        <mc:Choice Requires="p14">
           <p:contentPart p14:bwMode="auto" r:id="rId14">
             <p14:nvContentPartPr>
               <p14:cNvPr id="25" name="Ink 24">
@@ -23649,7 +23658,7 @@
             </p14:xfrm>
           </p:contentPart>
         </mc:Choice>
-        <mc:Fallback>
+        <mc:Fallback xmlns="">
           <p:pic>
             <p:nvPicPr>
               <p:cNvPr id="25" name="Ink 24">
@@ -23680,8 +23689,8 @@
           </p:pic>
         </mc:Fallback>
       </mc:AlternateContent>
-      <mc:AlternateContent xmlns:mc="http://schemas.openxmlformats.org/markup-compatibility/2006">
-        <mc:Choice xmlns:p14="http://schemas.microsoft.com/office/powerpoint/2010/main" Requires="p14">
+      <mc:AlternateContent xmlns:mc="http://schemas.openxmlformats.org/markup-compatibility/2006" xmlns:p14="http://schemas.microsoft.com/office/powerpoint/2010/main">
+        <mc:Choice Requires="p14">
           <p:contentPart p14:bwMode="auto" r:id="rId16">
             <p14:nvContentPartPr>
               <p14:cNvPr id="26" name="Ink 25">
@@ -23700,7 +23709,7 @@
             </p14:xfrm>
           </p:contentPart>
         </mc:Choice>
-        <mc:Fallback>
+        <mc:Fallback xmlns="">
           <p:pic>
             <p:nvPicPr>
               <p:cNvPr id="26" name="Ink 25">
@@ -23731,8 +23740,8 @@
           </p:pic>
         </mc:Fallback>
       </mc:AlternateContent>
-      <mc:AlternateContent xmlns:mc="http://schemas.openxmlformats.org/markup-compatibility/2006">
-        <mc:Choice xmlns:p14="http://schemas.microsoft.com/office/powerpoint/2010/main" Requires="p14">
+      <mc:AlternateContent xmlns:mc="http://schemas.openxmlformats.org/markup-compatibility/2006" xmlns:p14="http://schemas.microsoft.com/office/powerpoint/2010/main">
+        <mc:Choice Requires="p14">
           <p:contentPart p14:bwMode="auto" r:id="rId18">
             <p14:nvContentPartPr>
               <p14:cNvPr id="27" name="Ink 26">
@@ -23751,7 +23760,7 @@
             </p14:xfrm>
           </p:contentPart>
         </mc:Choice>
-        <mc:Fallback>
+        <mc:Fallback xmlns="">
           <p:pic>
             <p:nvPicPr>
               <p:cNvPr id="27" name="Ink 26">
@@ -23782,8 +23791,8 @@
           </p:pic>
         </mc:Fallback>
       </mc:AlternateContent>
-      <mc:AlternateContent xmlns:mc="http://schemas.openxmlformats.org/markup-compatibility/2006">
-        <mc:Choice xmlns:p14="http://schemas.microsoft.com/office/powerpoint/2010/main" Requires="p14">
+      <mc:AlternateContent xmlns:mc="http://schemas.openxmlformats.org/markup-compatibility/2006" xmlns:p14="http://schemas.microsoft.com/office/powerpoint/2010/main">
+        <mc:Choice Requires="p14">
           <p:contentPart p14:bwMode="auto" r:id="rId20">
             <p14:nvContentPartPr>
               <p14:cNvPr id="28" name="Ink 27">
@@ -23802,7 +23811,7 @@
             </p14:xfrm>
           </p:contentPart>
         </mc:Choice>
-        <mc:Fallback>
+        <mc:Fallback xmlns="">
           <p:pic>
             <p:nvPicPr>
               <p:cNvPr id="28" name="Ink 27">
@@ -23833,8 +23842,8 @@
           </p:pic>
         </mc:Fallback>
       </mc:AlternateContent>
-      <mc:AlternateContent xmlns:mc="http://schemas.openxmlformats.org/markup-compatibility/2006">
-        <mc:Choice xmlns:p14="http://schemas.microsoft.com/office/powerpoint/2010/main" Requires="p14">
+      <mc:AlternateContent xmlns:mc="http://schemas.openxmlformats.org/markup-compatibility/2006" xmlns:p14="http://schemas.microsoft.com/office/powerpoint/2010/main">
+        <mc:Choice Requires="p14">
           <p:contentPart p14:bwMode="auto" r:id="rId22">
             <p14:nvContentPartPr>
               <p14:cNvPr id="29" name="Ink 28">
@@ -23853,7 +23862,7 @@
             </p14:xfrm>
           </p:contentPart>
         </mc:Choice>
-        <mc:Fallback>
+        <mc:Fallback xmlns="">
           <p:pic>
             <p:nvPicPr>
               <p:cNvPr id="29" name="Ink 28">
@@ -23884,8 +23893,8 @@
           </p:pic>
         </mc:Fallback>
       </mc:AlternateContent>
-      <mc:AlternateContent xmlns:mc="http://schemas.openxmlformats.org/markup-compatibility/2006">
-        <mc:Choice xmlns:p14="http://schemas.microsoft.com/office/powerpoint/2010/main" Requires="p14">
+      <mc:AlternateContent xmlns:mc="http://schemas.openxmlformats.org/markup-compatibility/2006" xmlns:p14="http://schemas.microsoft.com/office/powerpoint/2010/main">
+        <mc:Choice Requires="p14">
           <p:contentPart p14:bwMode="auto" r:id="rId24">
             <p14:nvContentPartPr>
               <p14:cNvPr id="30" name="Ink 29">
@@ -23904,7 +23913,7 @@
             </p14:xfrm>
           </p:contentPart>
         </mc:Choice>
-        <mc:Fallback>
+        <mc:Fallback xmlns="">
           <p:pic>
             <p:nvPicPr>
               <p:cNvPr id="30" name="Ink 29">
@@ -23935,8 +23944,8 @@
           </p:pic>
         </mc:Fallback>
       </mc:AlternateContent>
-      <mc:AlternateContent xmlns:mc="http://schemas.openxmlformats.org/markup-compatibility/2006">
-        <mc:Choice xmlns:p14="http://schemas.microsoft.com/office/powerpoint/2010/main" Requires="p14">
+      <mc:AlternateContent xmlns:mc="http://schemas.openxmlformats.org/markup-compatibility/2006" xmlns:p14="http://schemas.microsoft.com/office/powerpoint/2010/main">
+        <mc:Choice Requires="p14">
           <p:contentPart p14:bwMode="auto" r:id="rId26">
             <p14:nvContentPartPr>
               <p14:cNvPr id="31" name="Ink 30">
@@ -23955,7 +23964,7 @@
             </p14:xfrm>
           </p:contentPart>
         </mc:Choice>
-        <mc:Fallback>
+        <mc:Fallback xmlns="">
           <p:pic>
             <p:nvPicPr>
               <p:cNvPr id="31" name="Ink 30">
@@ -23986,8 +23995,8 @@
           </p:pic>
         </mc:Fallback>
       </mc:AlternateContent>
-      <mc:AlternateContent xmlns:mc="http://schemas.openxmlformats.org/markup-compatibility/2006">
-        <mc:Choice xmlns:p14="http://schemas.microsoft.com/office/powerpoint/2010/main" Requires="p14">
+      <mc:AlternateContent xmlns:mc="http://schemas.openxmlformats.org/markup-compatibility/2006" xmlns:p14="http://schemas.microsoft.com/office/powerpoint/2010/main">
+        <mc:Choice Requires="p14">
           <p:contentPart p14:bwMode="auto" r:id="rId28">
             <p14:nvContentPartPr>
               <p14:cNvPr id="32" name="Ink 31">
@@ -24006,7 +24015,7 @@
             </p14:xfrm>
           </p:contentPart>
         </mc:Choice>
-        <mc:Fallback>
+        <mc:Fallback xmlns="">
           <p:pic>
             <p:nvPicPr>
               <p:cNvPr id="32" name="Ink 31">
@@ -24037,8 +24046,8 @@
           </p:pic>
         </mc:Fallback>
       </mc:AlternateContent>
-      <mc:AlternateContent xmlns:mc="http://schemas.openxmlformats.org/markup-compatibility/2006">
-        <mc:Choice xmlns:p14="http://schemas.microsoft.com/office/powerpoint/2010/main" Requires="p14">
+      <mc:AlternateContent xmlns:mc="http://schemas.openxmlformats.org/markup-compatibility/2006" xmlns:p14="http://schemas.microsoft.com/office/powerpoint/2010/main">
+        <mc:Choice Requires="p14">
           <p:contentPart p14:bwMode="auto" r:id="rId30">
             <p14:nvContentPartPr>
               <p14:cNvPr id="33" name="Ink 32">
@@ -24057,7 +24066,7 @@
             </p14:xfrm>
           </p:contentPart>
         </mc:Choice>
-        <mc:Fallback>
+        <mc:Fallback xmlns="">
           <p:pic>
             <p:nvPicPr>
               <p:cNvPr id="33" name="Ink 32">
@@ -24088,8 +24097,8 @@
           </p:pic>
         </mc:Fallback>
       </mc:AlternateContent>
-      <mc:AlternateContent xmlns:mc="http://schemas.openxmlformats.org/markup-compatibility/2006">
-        <mc:Choice xmlns:p14="http://schemas.microsoft.com/office/powerpoint/2010/main" Requires="p14">
+      <mc:AlternateContent xmlns:mc="http://schemas.openxmlformats.org/markup-compatibility/2006" xmlns:p14="http://schemas.microsoft.com/office/powerpoint/2010/main">
+        <mc:Choice Requires="p14">
           <p:contentPart p14:bwMode="auto" r:id="rId32">
             <p14:nvContentPartPr>
               <p14:cNvPr id="34" name="Ink 33">
@@ -24108,7 +24117,7 @@
             </p14:xfrm>
           </p:contentPart>
         </mc:Choice>
-        <mc:Fallback>
+        <mc:Fallback xmlns="">
           <p:pic>
             <p:nvPicPr>
               <p:cNvPr id="34" name="Ink 33">
@@ -24139,8 +24148,8 @@
           </p:pic>
         </mc:Fallback>
       </mc:AlternateContent>
-      <mc:AlternateContent xmlns:mc="http://schemas.openxmlformats.org/markup-compatibility/2006">
-        <mc:Choice xmlns:p14="http://schemas.microsoft.com/office/powerpoint/2010/main" Requires="p14">
+      <mc:AlternateContent xmlns:mc="http://schemas.openxmlformats.org/markup-compatibility/2006" xmlns:p14="http://schemas.microsoft.com/office/powerpoint/2010/main">
+        <mc:Choice Requires="p14">
           <p:contentPart p14:bwMode="auto" r:id="rId34">
             <p14:nvContentPartPr>
               <p14:cNvPr id="35" name="Ink 34">
@@ -24159,7 +24168,7 @@
             </p14:xfrm>
           </p:contentPart>
         </mc:Choice>
-        <mc:Fallback>
+        <mc:Fallback xmlns="">
           <p:pic>
             <p:nvPicPr>
               <p:cNvPr id="35" name="Ink 34">
@@ -24190,8 +24199,8 @@
           </p:pic>
         </mc:Fallback>
       </mc:AlternateContent>
-      <mc:AlternateContent xmlns:mc="http://schemas.openxmlformats.org/markup-compatibility/2006">
-        <mc:Choice xmlns:p14="http://schemas.microsoft.com/office/powerpoint/2010/main" Requires="p14">
+      <mc:AlternateContent xmlns:mc="http://schemas.openxmlformats.org/markup-compatibility/2006" xmlns:p14="http://schemas.microsoft.com/office/powerpoint/2010/main">
+        <mc:Choice Requires="p14">
           <p:contentPart p14:bwMode="auto" r:id="rId36">
             <p14:nvContentPartPr>
               <p14:cNvPr id="36" name="Ink 35">
@@ -24210,7 +24219,7 @@
             </p14:xfrm>
           </p:contentPart>
         </mc:Choice>
-        <mc:Fallback>
+        <mc:Fallback xmlns="">
           <p:pic>
             <p:nvPicPr>
               <p:cNvPr id="36" name="Ink 35">
@@ -24241,8 +24250,8 @@
           </p:pic>
         </mc:Fallback>
       </mc:AlternateContent>
-      <mc:AlternateContent xmlns:mc="http://schemas.openxmlformats.org/markup-compatibility/2006">
-        <mc:Choice xmlns:p14="http://schemas.microsoft.com/office/powerpoint/2010/main" Requires="p14">
+      <mc:AlternateContent xmlns:mc="http://schemas.openxmlformats.org/markup-compatibility/2006" xmlns:p14="http://schemas.microsoft.com/office/powerpoint/2010/main">
+        <mc:Choice Requires="p14">
           <p:contentPart p14:bwMode="auto" r:id="rId38">
             <p14:nvContentPartPr>
               <p14:cNvPr id="37" name="Ink 36">
@@ -24261,7 +24270,7 @@
             </p14:xfrm>
           </p:contentPart>
         </mc:Choice>
-        <mc:Fallback>
+        <mc:Fallback xmlns="">
           <p:pic>
             <p:nvPicPr>
               <p:cNvPr id="37" name="Ink 36">
@@ -24292,8 +24301,8 @@
           </p:pic>
         </mc:Fallback>
       </mc:AlternateContent>
-      <mc:AlternateContent xmlns:mc="http://schemas.openxmlformats.org/markup-compatibility/2006">
-        <mc:Choice xmlns:p14="http://schemas.microsoft.com/office/powerpoint/2010/main" Requires="p14">
+      <mc:AlternateContent xmlns:mc="http://schemas.openxmlformats.org/markup-compatibility/2006" xmlns:p14="http://schemas.microsoft.com/office/powerpoint/2010/main">
+        <mc:Choice Requires="p14">
           <p:contentPart p14:bwMode="auto" r:id="rId40">
             <p14:nvContentPartPr>
               <p14:cNvPr id="38" name="Ink 37">
@@ -24312,7 +24321,7 @@
             </p14:xfrm>
           </p:contentPart>
         </mc:Choice>
-        <mc:Fallback>
+        <mc:Fallback xmlns="">
           <p:pic>
             <p:nvPicPr>
               <p:cNvPr id="38" name="Ink 37">
@@ -24343,8 +24352,8 @@
           </p:pic>
         </mc:Fallback>
       </mc:AlternateContent>
-      <mc:AlternateContent xmlns:mc="http://schemas.openxmlformats.org/markup-compatibility/2006">
-        <mc:Choice xmlns:p14="http://schemas.microsoft.com/office/powerpoint/2010/main" Requires="p14">
+      <mc:AlternateContent xmlns:mc="http://schemas.openxmlformats.org/markup-compatibility/2006" xmlns:p14="http://schemas.microsoft.com/office/powerpoint/2010/main">
+        <mc:Choice Requires="p14">
           <p:contentPart p14:bwMode="auto" r:id="rId42">
             <p14:nvContentPartPr>
               <p14:cNvPr id="39" name="Ink 38">
@@ -24363,7 +24372,7 @@
             </p14:xfrm>
           </p:contentPart>
         </mc:Choice>
-        <mc:Fallback>
+        <mc:Fallback xmlns="">
           <p:pic>
             <p:nvPicPr>
               <p:cNvPr id="39" name="Ink 38">
@@ -24394,8 +24403,8 @@
           </p:pic>
         </mc:Fallback>
       </mc:AlternateContent>
-      <mc:AlternateContent xmlns:mc="http://schemas.openxmlformats.org/markup-compatibility/2006">
-        <mc:Choice xmlns:p14="http://schemas.microsoft.com/office/powerpoint/2010/main" Requires="p14">
+      <mc:AlternateContent xmlns:mc="http://schemas.openxmlformats.org/markup-compatibility/2006" xmlns:p14="http://schemas.microsoft.com/office/powerpoint/2010/main">
+        <mc:Choice Requires="p14">
           <p:contentPart p14:bwMode="auto" r:id="rId44">
             <p14:nvContentPartPr>
               <p14:cNvPr id="41" name="Ink 40">
@@ -24414,7 +24423,7 @@
             </p14:xfrm>
           </p:contentPart>
         </mc:Choice>
-        <mc:Fallback>
+        <mc:Fallback xmlns="">
           <p:pic>
             <p:nvPicPr>
               <p:cNvPr id="41" name="Ink 40">
@@ -24445,8 +24454,8 @@
           </p:pic>
         </mc:Fallback>
       </mc:AlternateContent>
-      <mc:AlternateContent xmlns:mc="http://schemas.openxmlformats.org/markup-compatibility/2006">
-        <mc:Choice xmlns:p14="http://schemas.microsoft.com/office/powerpoint/2010/main" Requires="p14">
+      <mc:AlternateContent xmlns:mc="http://schemas.openxmlformats.org/markup-compatibility/2006" xmlns:p14="http://schemas.microsoft.com/office/powerpoint/2010/main">
+        <mc:Choice Requires="p14">
           <p:contentPart p14:bwMode="auto" r:id="rId46">
             <p14:nvContentPartPr>
               <p14:cNvPr id="42" name="Ink 41">
@@ -24465,7 +24474,7 @@
             </p14:xfrm>
           </p:contentPart>
         </mc:Choice>
-        <mc:Fallback>
+        <mc:Fallback xmlns="">
           <p:pic>
             <p:nvPicPr>
               <p:cNvPr id="42" name="Ink 41">
@@ -24496,8 +24505,8 @@
           </p:pic>
         </mc:Fallback>
       </mc:AlternateContent>
-      <mc:AlternateContent xmlns:mc="http://schemas.openxmlformats.org/markup-compatibility/2006">
-        <mc:Choice xmlns:p14="http://schemas.microsoft.com/office/powerpoint/2010/main" Requires="p14">
+      <mc:AlternateContent xmlns:mc="http://schemas.openxmlformats.org/markup-compatibility/2006" xmlns:p14="http://schemas.microsoft.com/office/powerpoint/2010/main">
+        <mc:Choice Requires="p14">
           <p:contentPart p14:bwMode="auto" r:id="rId48">
             <p14:nvContentPartPr>
               <p14:cNvPr id="43" name="Ink 42">
@@ -24516,7 +24525,7 @@
             </p14:xfrm>
           </p:contentPart>
         </mc:Choice>
-        <mc:Fallback>
+        <mc:Fallback xmlns="">
           <p:pic>
             <p:nvPicPr>
               <p:cNvPr id="43" name="Ink 42">
@@ -24709,6 +24718,222 @@
     <p:extLst>
       <p:ext uri="{BB962C8B-B14F-4D97-AF65-F5344CB8AC3E}">
         <p14:creationId xmlns:p14="http://schemas.microsoft.com/office/powerpoint/2010/main" val="3035631898"/>
+      </p:ext>
+    </p:extLst>
+  </p:cSld>
+  <p:clrMapOvr>
+    <a:masterClrMapping/>
+  </p:clrMapOvr>
+</p:sld>
+</file>
+
+<file path=ppt/slides/slide17.xml><?xml version="1.0" encoding="utf-8"?>
+<p:sld xmlns:a="http://schemas.openxmlformats.org/drawingml/2006/main" xmlns:r="http://schemas.openxmlformats.org/officeDocument/2006/relationships" xmlns:p="http://schemas.openxmlformats.org/presentationml/2006/main">
+  <p:cSld>
+    <p:spTree>
+      <p:nvGrpSpPr>
+        <p:cNvPr id="1" name=""/>
+        <p:cNvGrpSpPr/>
+        <p:nvPr/>
+      </p:nvGrpSpPr>
+      <p:grpSpPr>
+        <a:xfrm>
+          <a:off x="0" y="0"/>
+          <a:ext cx="0" cy="0"/>
+          <a:chOff x="0" y="0"/>
+          <a:chExt cx="0" cy="0"/>
+        </a:xfrm>
+      </p:grpSpPr>
+      <p:sp>
+        <p:nvSpPr>
+          <p:cNvPr id="2" name="TextBox 1">
+            <a:extLst>
+              <a:ext uri="{FF2B5EF4-FFF2-40B4-BE49-F238E27FC236}">
+                <a16:creationId xmlns:a16="http://schemas.microsoft.com/office/drawing/2014/main" id="{27CDD98B-E13F-96D2-02B4-E464AF1FF185}"/>
+              </a:ext>
+            </a:extLst>
+          </p:cNvPr>
+          <p:cNvSpPr txBox="1"/>
+          <p:nvPr/>
+        </p:nvSpPr>
+        <p:spPr>
+          <a:xfrm>
+            <a:off x="3048000" y="885824"/>
+            <a:ext cx="5867400" cy="5478423"/>
+          </a:xfrm>
+          <a:prstGeom prst="rect">
+            <a:avLst/>
+          </a:prstGeom>
+          <a:noFill/>
+        </p:spPr>
+        <p:txBody>
+          <a:bodyPr rot="0" spcFirstLastPara="0" vertOverflow="overflow" horzOverflow="overflow" vert="horz" wrap="square" lIns="91440" tIns="45720" rIns="91440" bIns="45720" numCol="1" spcCol="0" rtlCol="0" fromWordArt="0" anchor="t" anchorCtr="0" forceAA="0" compatLnSpc="1">
+            <a:prstTxWarp prst="textNoShape">
+              <a:avLst/>
+            </a:prstTxWarp>
+            <a:spAutoFit/>
+          </a:bodyPr>
+          <a:lstStyle/>
+          <a:p>
+            <a:r>
+              <a:rPr lang="en-US" sz="1000" b="1" dirty="0">
+                <a:solidFill>
+                  <a:srgbClr val="FF0000"/>
+                </a:solidFill>
+                <a:ea typeface="+mn-lt"/>
+                <a:cs typeface="+mn-lt"/>
+              </a:rPr>
+              <a:t>print(sp1[:10, :10, 50])</a:t>
+            </a:r>
+            <a:endParaRPr lang="en-US" b="1">
+              <a:solidFill>
+                <a:srgbClr val="FF0000"/>
+              </a:solidFill>
+            </a:endParaRPr>
+          </a:p>
+          <a:p>
+            <a:endParaRPr lang="en-US" sz="1000" b="1" dirty="0">
+              <a:ea typeface="+mn-lt"/>
+              <a:cs typeface="+mn-lt"/>
+            </a:endParaRPr>
+          </a:p>
+          <a:p>
+            <a:endParaRPr lang="en-US" sz="1000" b="1" dirty="0">
+              <a:ea typeface="+mn-lt"/>
+              <a:cs typeface="+mn-lt"/>
+            </a:endParaRPr>
+          </a:p>
+          <a:p>
+            <a:r>
+              <a:rPr lang="en-US" sz="1000" b="1" dirty="0">
+                <a:ea typeface="+mn-lt"/>
+                <a:cs typeface="+mn-lt"/>
+              </a:rPr>
+              <a:t>[ [0.00031737      0.00029505      0.00027393      0.000254       0.00023519 0.00021748   ...]
+   [0.00031737     0.00029505       0.00027393      0.000254       0.00023519 0.00021748  ...]
+   [0.00031737     0.00029505       0.00027393      0.000254       0.00023519 0.00021748  ...]
+   [0.00031737     0.00029505       0.00027393      0.000254       0.00023519 0.00021748  ...]
+   [0.00031737     0.00029505       0.00027393      0.000254       0.00023519 0.00021748  ...]
+   [0.00031737     0.00029505       0.00027393      0.000254       0.00023519 0.00021748  ...]
+   [0.00031737     0.00029505       0.00027393      0.000254       0.00023519 0.00021748  ...]
+   [0.00031737     0.00029505       0.00027393      0.000254       0.00023519 0.00021748  ...]
+   [0.00031737     0.00029505       0.00027393      0.000254       0.00023519 0.00021748  ...]
+   [0.00031737     0.00029505       0.00027393      0.000254       0.00023519 0.00021748  ...]</a:t>
+            </a:r>
+            <a:endParaRPr lang="en-US"/>
+          </a:p>
+          <a:p>
+            <a:r>
+              <a:rPr lang="en-US" sz="1000" b="1" dirty="0">
+                <a:ea typeface="+mn-lt"/>
+                <a:cs typeface="+mn-lt"/>
+              </a:rPr>
+              <a:t>    ….</a:t>
+            </a:r>
+          </a:p>
+          <a:p>
+            <a:r>
+              <a:rPr lang="en-US" sz="1000" b="1" dirty="0">
+                <a:ea typeface="+mn-lt"/>
+                <a:cs typeface="+mn-lt"/>
+              </a:rPr>
+              <a:t>]</a:t>
+            </a:r>
+          </a:p>
+          <a:p>
+            <a:endParaRPr lang="en-US" sz="1000" b="1" dirty="0"/>
+          </a:p>
+          <a:p>
+            <a:r>
+              <a:rPr lang="en-US" sz="1000" b="1" dirty="0">
+                <a:solidFill>
+                  <a:srgbClr val="FF0000"/>
+                </a:solidFill>
+                <a:ea typeface="+mn-lt"/>
+                <a:cs typeface="+mn-lt"/>
+              </a:rPr>
+              <a:t>print(sp1[:, 10, 50])</a:t>
+            </a:r>
+            <a:endParaRPr lang="en-US" b="1" dirty="0">
+              <a:solidFill>
+                <a:srgbClr val="FF0000"/>
+              </a:solidFill>
+            </a:endParaRPr>
+          </a:p>
+          <a:p>
+            <a:endParaRPr lang="en-US" sz="1000" b="1" dirty="0"/>
+          </a:p>
+          <a:p>
+            <a:r>
+              <a:rPr lang="en-US" sz="1000" b="1" dirty="0">
+                <a:ea typeface="+mn-lt"/>
+                <a:cs typeface="+mn-lt"/>
+              </a:rPr>
+              <a:t>[0.00014389 0.00014389 0.00014389 0.00014389 0.00014389 0.00014389
+ 0.00014389 0.00014389 0.00014389 0.00014389 0.00014389 0.00014389
+ 0.00014389 0.00014389 0.00014389 0.00014389 0.00014389 0.00014389
+ 0.00014389 0.00014389 0.00014389 0.00014389 0.00014389 0.00014389
+ 0.00014389 0.00014389 0.00014389 0.00014389 0.00014389 0.00014389
+ 0.00014389 0.00014389 0.00014389 0.00014389 0.00014389 0.00014389
+ 0.00014389 0.00014389 0.00014389 0.00014389 0.00014389 0.00014389
+ 0.00014389 0.00014389 0.00014389 0.00014389 0.00014389 0.00014389
+ 0.00014389 0.00014389 0.00014389 0.00014389 0.00014389 0.00014389
+ 0.00014389 0.00014389 0.00014389 0.00014389 0.00014389 0.00014389
+ 0.00014389 0.00014389 0.00014389 0.00014389 0.00014389 0.00014389
+ 0.00014389 0.00014389 0.00014389 0.00014389 0.00014389 0.00014389
+ 0.00014389 0.00014389 0.00014389 0.00014389 0.00014389 0.00014389
+ 0.00014389 0.00014389 0.00014389 0.00014389 0.00014389 0.00014389
+ 0.00014389 0.00014389 0.00014389 0.00014389 0.00014389 0.00014389
+ 0.00014389 0.00014389 0.00014389 0.00014389 0.00014389 0.00014389
+ 0.00014389 0.00014389 0.00014389 0.00014389]</a:t>
+            </a:r>
+            <a:endParaRPr lang="en-US" b="1" dirty="0"/>
+          </a:p>
+        </p:txBody>
+      </p:sp>
+      <p:sp>
+        <p:nvSpPr>
+          <p:cNvPr id="3" name="TextBox 2">
+            <a:extLst>
+              <a:ext uri="{FF2B5EF4-FFF2-40B4-BE49-F238E27FC236}">
+                <a16:creationId xmlns:a16="http://schemas.microsoft.com/office/drawing/2014/main" id="{92CF4850-90D5-3954-E681-0A8EAB44C882}"/>
+              </a:ext>
+            </a:extLst>
+          </p:cNvPr>
+          <p:cNvSpPr txBox="1"/>
+          <p:nvPr/>
+        </p:nvSpPr>
+        <p:spPr>
+          <a:xfrm>
+            <a:off x="742950" y="409575"/>
+            <a:ext cx="2247900" cy="369332"/>
+          </a:xfrm>
+          <a:prstGeom prst="rect">
+            <a:avLst/>
+          </a:prstGeom>
+          <a:noFill/>
+        </p:spPr>
+        <p:txBody>
+          <a:bodyPr rot="0" spcFirstLastPara="0" vertOverflow="overflow" horzOverflow="overflow" vert="horz" wrap="square" lIns="91440" tIns="45720" rIns="91440" bIns="45720" numCol="1" spcCol="0" rtlCol="0" fromWordArt="0" anchor="t" anchorCtr="0" forceAA="0" compatLnSpc="1">
+            <a:prstTxWarp prst="textNoShape">
+              <a:avLst/>
+            </a:prstTxWarp>
+            <a:spAutoFit/>
+          </a:bodyPr>
+          <a:lstStyle/>
+          <a:p>
+            <a:pPr algn="l"/>
+            <a:r>
+              <a:rPr lang="en-US" b="1" dirty="0"/>
+              <a:t>Diffusion:</a:t>
+            </a:r>
+          </a:p>
+        </p:txBody>
+      </p:sp>
+    </p:spTree>
+    <p:extLst>
+      <p:ext uri="{BB962C8B-B14F-4D97-AF65-F5344CB8AC3E}">
+        <p14:creationId xmlns:p14="http://schemas.microsoft.com/office/powerpoint/2010/main" val="2173834857"/>
       </p:ext>
     </p:extLst>
   </p:cSld>
